--- a/unit-one-part-one.pptx
+++ b/unit-one-part-one.pptx
@@ -4769,49 +4769,6 @@
           <a:chExt cx="0" cy="0"/>
         </a:xfrm>
       </p:grpSpPr>
-      <p:pic>
-        <p:nvPicPr>
-          <p:cNvPr id="3" name="Picture 2" descr="E:\websites\free-power-point-templates\2012\logos.png"/>
-          <p:cNvPicPr>
-            <a:picLocks noChangeAspect="1" noChangeArrowheads="1"/>
-          </p:cNvPicPr>
-          <p:nvPr/>
-        </p:nvPicPr>
-        <p:blipFill>
-          <a:blip r:embed="rId3">
-            <a:extLst>
-              <a:ext uri="{28A0092B-C50C-407E-A947-70E740481C1C}">
-                <a14:useLocalDpi xmlns:a14="http://schemas.microsoft.com/office/drawing/2010/main" val="0"/>
-              </a:ext>
-            </a:extLst>
-          </a:blip>
-          <a:stretch>
-            <a:fillRect/>
-          </a:stretch>
-        </p:blipFill>
-        <p:spPr bwMode="auto">
-          <a:xfrm>
-            <a:off x="3808475" y="2326213"/>
-            <a:ext cx="1463784" cy="526961"/>
-          </a:xfrm>
-          <a:prstGeom prst="rect">
-            <a:avLst/>
-          </a:prstGeom>
-          <a:noFill/>
-          <a:ln>
-            <a:noFill/>
-          </a:ln>
-          <a:extLst>
-            <a:ext uri="{909E8E84-426E-40DD-AFC4-6F175D3DCCD1}">
-              <a14:hiddenFill xmlns:a14="http://schemas.microsoft.com/office/drawing/2010/main">
-                <a:solidFill>
-                  <a:srgbClr val="FFFFFF"/>
-                </a:solidFill>
-              </a14:hiddenFill>
-            </a:ext>
-          </a:extLst>
-        </p:spPr>
-      </p:pic>
     </p:spTree>
     <p:extLst>
       <p:ext uri="{BB962C8B-B14F-4D97-AF65-F5344CB8AC3E}">
